--- a/Milestone_2/CSC587_2024_OnlineCSESTudentSuccessInd_052824.pptx
+++ b/Milestone_2/CSC587_2024_OnlineCSESTudentSuccessInd_052824.pptx
@@ -6790,7 +6790,7 @@
           <a:p>
             <a:fld id="{CC5A0595-B58D-46AA-9965-F84570F14E05}" type="datetimeFigureOut">
               <a:rPr lang="en-US" smtClean="0"/>
-              <a:t>11/5/2024</a:t>
+              <a:t>11/6/2024</a:t>
             </a:fld>
             <a:endParaRPr lang="en-US" dirty="0"/>
           </a:p>
@@ -6955,7 +6955,7 @@
           <a:p>
             <a:fld id="{76B27653-F39B-45FD-94CA-D312A4FB641D}" type="datetimeFigureOut">
               <a:rPr lang="en-US" smtClean="0"/>
-              <a:t>11/5/2024</a:t>
+              <a:t>11/6/2024</a:t>
             </a:fld>
             <a:endParaRPr lang="en-US" dirty="0"/>
           </a:p>
@@ -9236,22 +9236,6 @@
           <a:p>
             <a:endParaRPr lang="en-US" dirty="0"/>
           </a:p>
-          <a:p>
-            <a:r>
-              <a:rPr lang="en-US" dirty="0"/>
-              <a:t>The table with all denormalized data being analyzed is referred to as t</a:t>
-            </a:r>
-            <a:r>
-              <a:rPr lang="en-US" sz="1200" dirty="0"/>
-              <a:t>he “Time Variant Student Course Activity” (TVCAA) Table.  The grain is “one row/student/term/course/assignment” some values that are representative of the student or term level will repeat in the data set.  </a:t>
-            </a:r>
-          </a:p>
-          <a:p>
-            <a:endParaRPr lang="en-US" dirty="0"/>
-          </a:p>
-          <a:p>
-            <a:endParaRPr lang="en-US" dirty="0"/>
-          </a:p>
         </p:txBody>
       </p:sp>
       <p:sp>
@@ -10321,7 +10305,7 @@
           <a:p>
             <a:fld id="{85794132-45F4-4645-88D3-A68AB7170BC2}" type="datetimeFigureOut">
               <a:rPr lang="en-US" smtClean="0"/>
-              <a:t>11/5/2024</a:t>
+              <a:t>11/6/2024</a:t>
             </a:fld>
             <a:endParaRPr lang="en-US" dirty="0"/>
           </a:p>
@@ -10636,7 +10620,7 @@
           <a:p>
             <a:fld id="{85794132-45F4-4645-88D3-A68AB7170BC2}" type="datetimeFigureOut">
               <a:rPr lang="en-US" smtClean="0"/>
-              <a:t>11/5/2024</a:t>
+              <a:t>11/6/2024</a:t>
             </a:fld>
             <a:endParaRPr lang="en-US" dirty="0"/>
           </a:p>
@@ -10926,7 +10910,7 @@
           <a:p>
             <a:fld id="{85794132-45F4-4645-88D3-A68AB7170BC2}" type="datetimeFigureOut">
               <a:rPr lang="en-US" smtClean="0"/>
-              <a:t>11/5/2024</a:t>
+              <a:t>11/6/2024</a:t>
             </a:fld>
             <a:endParaRPr lang="en-US" dirty="0"/>
           </a:p>
@@ -11508,7 +11492,7 @@
           <a:p>
             <a:fld id="{85794132-45F4-4645-88D3-A68AB7170BC2}" type="datetimeFigureOut">
               <a:rPr lang="en-US" smtClean="0"/>
-              <a:t>11/5/2024</a:t>
+              <a:t>11/6/2024</a:t>
             </a:fld>
             <a:endParaRPr lang="en-US" dirty="0"/>
           </a:p>
@@ -11798,7 +11782,7 @@
           <a:p>
             <a:fld id="{85794132-45F4-4645-88D3-A68AB7170BC2}" type="datetimeFigureOut">
               <a:rPr lang="en-US" smtClean="0"/>
-              <a:t>11/5/2024</a:t>
+              <a:t>11/6/2024</a:t>
             </a:fld>
             <a:endParaRPr lang="en-US" dirty="0"/>
           </a:p>
@@ -12372,7 +12356,7 @@
           <a:p>
             <a:fld id="{85794132-45F4-4645-88D3-A68AB7170BC2}" type="datetimeFigureOut">
               <a:rPr lang="en-US" smtClean="0"/>
-              <a:t>11/5/2024</a:t>
+              <a:t>11/6/2024</a:t>
             </a:fld>
             <a:endParaRPr lang="en-US" dirty="0"/>
           </a:p>
@@ -12711,7 +12695,7 @@
           <a:p>
             <a:fld id="{85794132-45F4-4645-88D3-A68AB7170BC2}" type="datetimeFigureOut">
               <a:rPr lang="en-US" smtClean="0"/>
-              <a:t>11/5/2024</a:t>
+              <a:t>11/6/2024</a:t>
             </a:fld>
             <a:endParaRPr lang="en-US" dirty="0"/>
           </a:p>
@@ -12934,7 +12918,7 @@
           <a:p>
             <a:fld id="{85794132-45F4-4645-88D3-A68AB7170BC2}" type="datetimeFigureOut">
               <a:rPr lang="en-US" smtClean="0"/>
-              <a:t>11/5/2024</a:t>
+              <a:t>11/6/2024</a:t>
             </a:fld>
             <a:endParaRPr lang="en-US" dirty="0"/>
           </a:p>
@@ -13162,7 +13146,7 @@
           <a:p>
             <a:fld id="{85794132-45F4-4645-88D3-A68AB7170BC2}" type="datetimeFigureOut">
               <a:rPr lang="en-US" smtClean="0"/>
-              <a:t>11/5/2024</a:t>
+              <a:t>11/6/2024</a:t>
             </a:fld>
             <a:endParaRPr lang="en-US" dirty="0"/>
           </a:p>
@@ -13380,7 +13364,7 @@
           <a:p>
             <a:fld id="{85794132-45F4-4645-88D3-A68AB7170BC2}" type="datetimeFigureOut">
               <a:rPr lang="en-US" smtClean="0"/>
-              <a:t>11/5/2024</a:t>
+              <a:t>11/6/2024</a:t>
             </a:fld>
             <a:endParaRPr lang="en-US" dirty="0"/>
           </a:p>
@@ -13670,7 +13654,7 @@
           <a:p>
             <a:fld id="{85794132-45F4-4645-88D3-A68AB7170BC2}" type="datetimeFigureOut">
               <a:rPr lang="en-US" smtClean="0"/>
-              <a:t>11/5/2024</a:t>
+              <a:t>11/6/2024</a:t>
             </a:fld>
             <a:endParaRPr lang="en-US" dirty="0"/>
           </a:p>
@@ -13948,7 +13932,7 @@
           <a:p>
             <a:fld id="{85794132-45F4-4645-88D3-A68AB7170BC2}" type="datetimeFigureOut">
               <a:rPr lang="en-US" smtClean="0"/>
-              <a:t>11/5/2024</a:t>
+              <a:t>11/6/2024</a:t>
             </a:fld>
             <a:endParaRPr lang="en-US" dirty="0"/>
           </a:p>
@@ -14366,7 +14350,7 @@
           <a:p>
             <a:fld id="{85794132-45F4-4645-88D3-A68AB7170BC2}" type="datetimeFigureOut">
               <a:rPr lang="en-US" smtClean="0"/>
-              <a:t>11/5/2024</a:t>
+              <a:t>11/6/2024</a:t>
             </a:fld>
             <a:endParaRPr lang="en-US" dirty="0"/>
           </a:p>
@@ -14537,7 +14521,7 @@
           <a:p>
             <a:fld id="{85794132-45F4-4645-88D3-A68AB7170BC2}" type="datetimeFigureOut">
               <a:rPr lang="en-US" smtClean="0"/>
-              <a:t>11/5/2024</a:t>
+              <a:t>11/6/2024</a:t>
             </a:fld>
             <a:endParaRPr lang="en-US" dirty="0"/>
           </a:p>
@@ -14674,7 +14658,7 @@
           <a:p>
             <a:fld id="{85794132-45F4-4645-88D3-A68AB7170BC2}" type="datetimeFigureOut">
               <a:rPr lang="en-US" smtClean="0"/>
-              <a:t>11/5/2024</a:t>
+              <a:t>11/6/2024</a:t>
             </a:fld>
             <a:endParaRPr lang="en-US" dirty="0"/>
           </a:p>
@@ -14971,7 +14955,7 @@
           <a:p>
             <a:fld id="{85794132-45F4-4645-88D3-A68AB7170BC2}" type="datetimeFigureOut">
               <a:rPr lang="en-US" smtClean="0"/>
-              <a:t>11/5/2024</a:t>
+              <a:t>11/6/2024</a:t>
             </a:fld>
             <a:endParaRPr lang="en-US" dirty="0"/>
           </a:p>
@@ -15276,7 +15260,7 @@
           <a:p>
             <a:fld id="{85794132-45F4-4645-88D3-A68AB7170BC2}" type="datetimeFigureOut">
               <a:rPr lang="en-US" smtClean="0"/>
-              <a:t>11/5/2024</a:t>
+              <a:t>11/6/2024</a:t>
             </a:fld>
             <a:endParaRPr lang="en-US" dirty="0"/>
           </a:p>
@@ -15502,7 +15486,7 @@
           <a:p>
             <a:fld id="{85794132-45F4-4645-88D3-A68AB7170BC2}" type="datetimeFigureOut">
               <a:rPr lang="en-US" smtClean="0"/>
-              <a:t>11/5/2024</a:t>
+              <a:t>11/6/2024</a:t>
             </a:fld>
             <a:endParaRPr lang="en-US" dirty="0"/>
           </a:p>
